--- a/make_presentation/templates/templates/classic/_11.pptx
+++ b/make_presentation/templates/templates/classic/_11.pptx
@@ -302,7 +302,7 @@
             <a:pPr algn="r">
               <a:buNone/>
             </a:pPr>
-            <a:fld id="{E6EE6338-B724-4228-9B90-0D048B93D6DF}" type="slidenum">
+            <a:fld id="{0DDA9F91-C5D3-44D5-9604-CCA4E6CD95EC}" type="slidenum">
               <a:rPr b="0" lang="en-US" sz="1400" spc="-1" strike="noStrike">
                 <a:latin typeface="Times New Roman"/>
               </a:rPr>
@@ -350,7 +350,7 @@
         <p:spPr>
           <a:xfrm>
             <a:off x="380880" y="685800"/>
-            <a:ext cx="6093000" cy="3426120"/>
+            <a:ext cx="6092640" cy="3425760"/>
           </a:xfrm>
           <a:prstGeom prst="rect">
             <a:avLst/>
@@ -373,7 +373,7 @@
         <p:spPr>
           <a:xfrm>
             <a:off x="685800" y="4343400"/>
-            <a:ext cx="5483520" cy="4111920"/>
+            <a:ext cx="5483160" cy="4111560"/>
           </a:xfrm>
           <a:prstGeom prst="rect">
             <a:avLst/>
@@ -407,7 +407,7 @@
         <p:spPr>
           <a:xfrm>
             <a:off x="3884760" y="8685360"/>
-            <a:ext cx="2968920" cy="454320"/>
+            <a:ext cx="2968560" cy="453960"/>
           </a:xfrm>
           <a:prstGeom prst="rect">
             <a:avLst/>
@@ -443,7 +443,7 @@
               </a:lnSpc>
               <a:buNone/>
             </a:pPr>
-            <a:fld id="{684A3749-02BF-466D-A29F-9B3AB1D086AB}" type="slidenum">
+            <a:fld id="{697D30EA-74EC-49E2-801D-C3C3C5C21862}" type="slidenum">
               <a:rPr b="0" lang="en-US" sz="1200" spc="-1" strike="noStrike">
                 <a:solidFill>
                   <a:srgbClr val="000000"/>
@@ -494,7 +494,7 @@
         <p:spPr>
           <a:xfrm>
             <a:off x="380880" y="685800"/>
-            <a:ext cx="6093000" cy="3426120"/>
+            <a:ext cx="6092640" cy="3425760"/>
           </a:xfrm>
           <a:prstGeom prst="rect">
             <a:avLst/>
@@ -517,7 +517,7 @@
         <p:spPr>
           <a:xfrm>
             <a:off x="685800" y="4343400"/>
-            <a:ext cx="5483520" cy="4111920"/>
+            <a:ext cx="5483160" cy="4111560"/>
           </a:xfrm>
           <a:prstGeom prst="rect">
             <a:avLst/>
@@ -551,7 +551,7 @@
         <p:spPr>
           <a:xfrm>
             <a:off x="3884760" y="8685360"/>
-            <a:ext cx="2968920" cy="454320"/>
+            <a:ext cx="2968560" cy="453960"/>
           </a:xfrm>
           <a:prstGeom prst="rect">
             <a:avLst/>
@@ -587,7 +587,7 @@
               </a:lnSpc>
               <a:buNone/>
             </a:pPr>
-            <a:fld id="{AEF226DA-C234-4CB2-A7E2-1A52E60082EF}" type="slidenum">
+            <a:fld id="{E0586DEC-C0C8-4879-9BA8-0294995E13FE}" type="slidenum">
               <a:rPr b="0" lang="en-US" sz="1200" spc="-1" strike="noStrike">
                 <a:solidFill>
                   <a:srgbClr val="000000"/>
@@ -638,7 +638,7 @@
         <p:spPr>
           <a:xfrm>
             <a:off x="380880" y="685800"/>
-            <a:ext cx="6093000" cy="3426120"/>
+            <a:ext cx="6092640" cy="3425760"/>
           </a:xfrm>
           <a:prstGeom prst="rect">
             <a:avLst/>
@@ -661,7 +661,7 @@
         <p:spPr>
           <a:xfrm>
             <a:off x="685800" y="4343400"/>
-            <a:ext cx="5483520" cy="4111920"/>
+            <a:ext cx="5483160" cy="4111560"/>
           </a:xfrm>
           <a:prstGeom prst="rect">
             <a:avLst/>
@@ -695,7 +695,7 @@
         <p:spPr>
           <a:xfrm>
             <a:off x="3884760" y="8685360"/>
-            <a:ext cx="2968920" cy="454320"/>
+            <a:ext cx="2968560" cy="453960"/>
           </a:xfrm>
           <a:prstGeom prst="rect">
             <a:avLst/>
@@ -731,7 +731,7 @@
               </a:lnSpc>
               <a:buNone/>
             </a:pPr>
-            <a:fld id="{7A6F087A-508F-4746-9C7A-8C4D26185D4B}" type="slidenum">
+            <a:fld id="{652020B8-DC29-4BD5-8C9E-432AACA72E62}" type="slidenum">
               <a:rPr b="0" lang="en-US" sz="1200" spc="-1" strike="noStrike">
                 <a:solidFill>
                   <a:srgbClr val="000000"/>
@@ -782,7 +782,7 @@
         <p:spPr>
           <a:xfrm>
             <a:off x="380880" y="685800"/>
-            <a:ext cx="6093000" cy="3426120"/>
+            <a:ext cx="6092640" cy="3425760"/>
           </a:xfrm>
           <a:prstGeom prst="rect">
             <a:avLst/>
@@ -805,7 +805,7 @@
         <p:spPr>
           <a:xfrm>
             <a:off x="685800" y="4343400"/>
-            <a:ext cx="5483520" cy="4111920"/>
+            <a:ext cx="5483160" cy="4111560"/>
           </a:xfrm>
           <a:prstGeom prst="rect">
             <a:avLst/>
@@ -839,7 +839,7 @@
         <p:spPr>
           <a:xfrm>
             <a:off x="3884760" y="8685360"/>
-            <a:ext cx="2968920" cy="454320"/>
+            <a:ext cx="2968560" cy="453960"/>
           </a:xfrm>
           <a:prstGeom prst="rect">
             <a:avLst/>
@@ -875,7 +875,7 @@
               </a:lnSpc>
               <a:buNone/>
             </a:pPr>
-            <a:fld id="{07A70D9F-12AB-434F-A09C-E16102C54278}" type="slidenum">
+            <a:fld id="{5111DD46-8339-4250-93E6-725F24139495}" type="slidenum">
               <a:rPr b="0" lang="en-US" sz="1200" spc="-1" strike="noStrike">
                 <a:solidFill>
                   <a:srgbClr val="000000"/>
@@ -926,7 +926,7 @@
         <p:spPr>
           <a:xfrm>
             <a:off x="380880" y="685800"/>
-            <a:ext cx="6093000" cy="3426120"/>
+            <a:ext cx="6092640" cy="3425760"/>
           </a:xfrm>
           <a:prstGeom prst="rect">
             <a:avLst/>
@@ -949,7 +949,7 @@
         <p:spPr>
           <a:xfrm>
             <a:off x="685800" y="4343400"/>
-            <a:ext cx="5483520" cy="4111920"/>
+            <a:ext cx="5483160" cy="4111560"/>
           </a:xfrm>
           <a:prstGeom prst="rect">
             <a:avLst/>
@@ -983,7 +983,7 @@
         <p:spPr>
           <a:xfrm>
             <a:off x="3884760" y="8685360"/>
-            <a:ext cx="2968920" cy="454320"/>
+            <a:ext cx="2968560" cy="453960"/>
           </a:xfrm>
           <a:prstGeom prst="rect">
             <a:avLst/>
@@ -1019,7 +1019,7 @@
               </a:lnSpc>
               <a:buNone/>
             </a:pPr>
-            <a:fld id="{673C60F5-114F-457A-AE32-EC5CC6DC60D5}" type="slidenum">
+            <a:fld id="{25BC636E-103A-4067-B894-6D494542AC01}" type="slidenum">
               <a:rPr b="0" lang="en-US" sz="1200" spc="-1" strike="noStrike">
                 <a:solidFill>
                   <a:srgbClr val="000000"/>
@@ -1070,7 +1070,7 @@
         <p:spPr>
           <a:xfrm>
             <a:off x="380880" y="685800"/>
-            <a:ext cx="6093000" cy="3426120"/>
+            <a:ext cx="6092640" cy="3425760"/>
           </a:xfrm>
           <a:prstGeom prst="rect">
             <a:avLst/>
@@ -1093,7 +1093,7 @@
         <p:spPr>
           <a:xfrm>
             <a:off x="685800" y="4343400"/>
-            <a:ext cx="5483520" cy="4111920"/>
+            <a:ext cx="5483160" cy="4111560"/>
           </a:xfrm>
           <a:prstGeom prst="rect">
             <a:avLst/>
@@ -1127,7 +1127,7 @@
         <p:spPr>
           <a:xfrm>
             <a:off x="3884760" y="8685360"/>
-            <a:ext cx="2968920" cy="454320"/>
+            <a:ext cx="2968560" cy="453960"/>
           </a:xfrm>
           <a:prstGeom prst="rect">
             <a:avLst/>
@@ -1163,7 +1163,7 @@
               </a:lnSpc>
               <a:buNone/>
             </a:pPr>
-            <a:fld id="{200A420B-4ED3-411F-9BAE-F43A0FCBE3ED}" type="slidenum">
+            <a:fld id="{9CF6FA6C-678B-4199-888B-46D9A96CBB00}" type="slidenum">
               <a:rPr b="0" lang="en-US" sz="1200" spc="-1" strike="noStrike">
                 <a:solidFill>
                   <a:srgbClr val="000000"/>
@@ -1214,7 +1214,7 @@
         <p:spPr>
           <a:xfrm>
             <a:off x="380880" y="685800"/>
-            <a:ext cx="6093000" cy="3426120"/>
+            <a:ext cx="6092640" cy="3425760"/>
           </a:xfrm>
           <a:prstGeom prst="rect">
             <a:avLst/>
@@ -1237,7 +1237,7 @@
         <p:spPr>
           <a:xfrm>
             <a:off x="685800" y="4343400"/>
-            <a:ext cx="5483520" cy="4111920"/>
+            <a:ext cx="5483160" cy="4111560"/>
           </a:xfrm>
           <a:prstGeom prst="rect">
             <a:avLst/>
@@ -1271,7 +1271,7 @@
         <p:spPr>
           <a:xfrm>
             <a:off x="3884760" y="8685360"/>
-            <a:ext cx="2968920" cy="454320"/>
+            <a:ext cx="2968560" cy="453960"/>
           </a:xfrm>
           <a:prstGeom prst="rect">
             <a:avLst/>
@@ -1307,7 +1307,7 @@
               </a:lnSpc>
               <a:buNone/>
             </a:pPr>
-            <a:fld id="{83FA0A2C-F97C-4111-B2F2-230BF6E0E310}" type="slidenum">
+            <a:fld id="{2CB73DBD-01A4-4122-BDD1-664FD843B138}" type="slidenum">
               <a:rPr b="0" lang="en-US" sz="1200" spc="-1" strike="noStrike">
                 <a:solidFill>
                   <a:srgbClr val="000000"/>
@@ -1358,7 +1358,7 @@
         <p:spPr>
           <a:xfrm>
             <a:off x="380880" y="685800"/>
-            <a:ext cx="6093000" cy="3426120"/>
+            <a:ext cx="6092640" cy="3425760"/>
           </a:xfrm>
           <a:prstGeom prst="rect">
             <a:avLst/>
@@ -1381,7 +1381,7 @@
         <p:spPr>
           <a:xfrm>
             <a:off x="685800" y="4343400"/>
-            <a:ext cx="5483520" cy="4111920"/>
+            <a:ext cx="5483160" cy="4111560"/>
           </a:xfrm>
           <a:prstGeom prst="rect">
             <a:avLst/>
@@ -1415,7 +1415,7 @@
         <p:spPr>
           <a:xfrm>
             <a:off x="3884760" y="8685360"/>
-            <a:ext cx="2968920" cy="454320"/>
+            <a:ext cx="2968560" cy="453960"/>
           </a:xfrm>
           <a:prstGeom prst="rect">
             <a:avLst/>
@@ -1451,7 +1451,7 @@
               </a:lnSpc>
               <a:buNone/>
             </a:pPr>
-            <a:fld id="{841558E4-0726-4229-AAC1-7F8EBF05D4EC}" type="slidenum">
+            <a:fld id="{816F51AA-6075-45B4-BC49-202719336302}" type="slidenum">
               <a:rPr b="0" lang="en-US" sz="1200" spc="-1" strike="noStrike">
                 <a:solidFill>
                   <a:srgbClr val="000000"/>
@@ -1502,7 +1502,7 @@
         <p:spPr>
           <a:xfrm>
             <a:off x="380880" y="685800"/>
-            <a:ext cx="6093000" cy="3426120"/>
+            <a:ext cx="6092640" cy="3425760"/>
           </a:xfrm>
           <a:prstGeom prst="rect">
             <a:avLst/>
@@ -1525,7 +1525,7 @@
         <p:spPr>
           <a:xfrm>
             <a:off x="685800" y="4343400"/>
-            <a:ext cx="5483520" cy="4111920"/>
+            <a:ext cx="5483160" cy="4111560"/>
           </a:xfrm>
           <a:prstGeom prst="rect">
             <a:avLst/>
@@ -1559,7 +1559,7 @@
         <p:spPr>
           <a:xfrm>
             <a:off x="3884760" y="8685360"/>
-            <a:ext cx="2968920" cy="454320"/>
+            <a:ext cx="2968560" cy="453960"/>
           </a:xfrm>
           <a:prstGeom prst="rect">
             <a:avLst/>
@@ -1595,7 +1595,7 @@
               </a:lnSpc>
               <a:buNone/>
             </a:pPr>
-            <a:fld id="{CF0FDC49-79E7-4676-A6E9-7CB25EE33C53}" type="slidenum">
+            <a:fld id="{8AD0D33B-86D4-4187-B092-37E3E4E45085}" type="slidenum">
               <a:rPr b="0" lang="en-US" sz="1200" spc="-1" strike="noStrike">
                 <a:solidFill>
                   <a:srgbClr val="000000"/>
@@ -1646,7 +1646,7 @@
         <p:spPr>
           <a:xfrm>
             <a:off x="380880" y="685800"/>
-            <a:ext cx="6093000" cy="3426120"/>
+            <a:ext cx="6092640" cy="3425760"/>
           </a:xfrm>
           <a:prstGeom prst="rect">
             <a:avLst/>
@@ -1669,7 +1669,7 @@
         <p:spPr>
           <a:xfrm>
             <a:off x="685800" y="4343400"/>
-            <a:ext cx="5483520" cy="4111920"/>
+            <a:ext cx="5483160" cy="4111560"/>
           </a:xfrm>
           <a:prstGeom prst="rect">
             <a:avLst/>
@@ -1703,7 +1703,7 @@
         <p:spPr>
           <a:xfrm>
             <a:off x="3884760" y="8685360"/>
-            <a:ext cx="2968920" cy="454320"/>
+            <a:ext cx="2968560" cy="453960"/>
           </a:xfrm>
           <a:prstGeom prst="rect">
             <a:avLst/>
@@ -1739,7 +1739,7 @@
               </a:lnSpc>
               <a:buNone/>
             </a:pPr>
-            <a:fld id="{794A7B2C-1DD5-448A-9410-30A9BB0E3A38}" type="slidenum">
+            <a:fld id="{83958AF1-B091-46C9-B281-A641928F9E6B}" type="slidenum">
               <a:rPr b="0" lang="en-US" sz="1200" spc="-1" strike="noStrike">
                 <a:solidFill>
                   <a:srgbClr val="000000"/>
@@ -1790,7 +1790,7 @@
         <p:spPr>
           <a:xfrm>
             <a:off x="380880" y="685800"/>
-            <a:ext cx="6093000" cy="3426120"/>
+            <a:ext cx="6092640" cy="3425760"/>
           </a:xfrm>
           <a:prstGeom prst="rect">
             <a:avLst/>
@@ -1813,7 +1813,7 @@
         <p:spPr>
           <a:xfrm>
             <a:off x="685800" y="4343400"/>
-            <a:ext cx="5483520" cy="4111920"/>
+            <a:ext cx="5483160" cy="4111560"/>
           </a:xfrm>
           <a:prstGeom prst="rect">
             <a:avLst/>
@@ -1847,7 +1847,7 @@
         <p:spPr>
           <a:xfrm>
             <a:off x="3884760" y="8685360"/>
-            <a:ext cx="2968920" cy="454320"/>
+            <a:ext cx="2968560" cy="453960"/>
           </a:xfrm>
           <a:prstGeom prst="rect">
             <a:avLst/>
@@ -1883,7 +1883,7 @@
               </a:lnSpc>
               <a:buNone/>
             </a:pPr>
-            <a:fld id="{189F6AFD-EC8A-4D1C-AED7-72EBC5D334E6}" type="slidenum">
+            <a:fld id="{D20CB4A8-8177-477D-8303-6238E23AE81E}" type="slidenum">
               <a:rPr b="0" lang="en-US" sz="1200" spc="-1" strike="noStrike">
                 <a:solidFill>
                   <a:srgbClr val="000000"/>
@@ -1955,7 +1955,7 @@
         <p:txBody>
           <a:bodyPr/>
           <a:p>
-            <a:fld id="{8A5DD7E6-546C-4A7F-8244-DFB963947EB9}" type="slidenum">
+            <a:fld id="{E9357C05-45EF-48DE-BEC9-23F5657B04C2}" type="slidenum">
               <a:t>&lt;#&gt;</a:t>
             </a:fld>
           </a:p>
@@ -2143,7 +2143,7 @@
         <p:txBody>
           <a:bodyPr/>
           <a:p>
-            <a:fld id="{E9ED8789-759C-4249-A8BC-0C8390BA4EF5}" type="slidenum">
+            <a:fld id="{F55D7F99-49DC-4A18-A53F-33F37DD5A40E}" type="slidenum">
               <a:t>&lt;#&gt;</a:t>
             </a:fld>
           </a:p>
@@ -2399,7 +2399,7 @@
         <p:txBody>
           <a:bodyPr/>
           <a:p>
-            <a:fld id="{0312E7FC-2E96-4351-8A4C-6D19C333CF10}" type="slidenum">
+            <a:fld id="{8D31A988-E6F5-47F8-99CB-1933A88856BF}" type="slidenum">
               <a:t>&lt;#&gt;</a:t>
             </a:fld>
           </a:p>
@@ -2723,7 +2723,7 @@
         <p:txBody>
           <a:bodyPr/>
           <a:p>
-            <a:fld id="{6C02B761-FF50-4737-844D-EF54AE2EC3FD}" type="slidenum">
+            <a:fld id="{76AB1CAA-04CF-41F3-9338-BB602FFFDFBC}" type="slidenum">
               <a:t>&lt;#&gt;</a:t>
             </a:fld>
           </a:p>
@@ -2880,7 +2880,7 @@
         <p:txBody>
           <a:bodyPr/>
           <a:p>
-            <a:fld id="{36874359-56DC-4C3A-A46F-A9BDFEA33483}" type="slidenum">
+            <a:fld id="{C653945E-B946-4C01-A700-60AB13B91AE3}" type="slidenum">
               <a:t>&lt;#&gt;</a:t>
             </a:fld>
           </a:p>
@@ -3034,7 +3034,7 @@
         <p:txBody>
           <a:bodyPr/>
           <a:p>
-            <a:fld id="{C730A56C-6D34-40EE-8101-38B58E87310C}" type="slidenum">
+            <a:fld id="{6CE9857E-6CF8-4E92-A07A-011248BFD213}" type="slidenum">
               <a:t>&lt;#&gt;</a:t>
             </a:fld>
           </a:p>
@@ -3222,7 +3222,7 @@
         <p:txBody>
           <a:bodyPr/>
           <a:p>
-            <a:fld id="{696B038E-6637-435F-A7E9-D633B9F05A31}" type="slidenum">
+            <a:fld id="{BF36EFE5-595D-45E5-BC2C-08FBF9CA5CBE}" type="slidenum">
               <a:t>&lt;#&gt;</a:t>
             </a:fld>
           </a:p>
@@ -3342,7 +3342,7 @@
         <p:txBody>
           <a:bodyPr/>
           <a:p>
-            <a:fld id="{0CE6E0A6-E4EF-41C2-9FEB-889237EF2B5B}" type="slidenum">
+            <a:fld id="{67A19A2F-B0A4-494E-87CF-14CD3BDBDA8E}" type="slidenum">
               <a:t>&lt;#&gt;</a:t>
             </a:fld>
           </a:p>
@@ -3462,7 +3462,7 @@
         <p:txBody>
           <a:bodyPr/>
           <a:p>
-            <a:fld id="{DD95AE55-E55B-4B5E-92A7-B1F4969BBB56}" type="slidenum">
+            <a:fld id="{75860F9F-7C81-4123-B438-CE727EE0425A}" type="slidenum">
               <a:t>&lt;#&gt;</a:t>
             </a:fld>
           </a:p>
@@ -3684,7 +3684,7 @@
         <p:txBody>
           <a:bodyPr/>
           <a:p>
-            <a:fld id="{E072CD10-CAA5-4268-A10B-20F3AC3DF4BF}" type="slidenum">
+            <a:fld id="{C0E12350-0260-4896-BC9A-50A27F16F7A0}" type="slidenum">
               <a:t>&lt;#&gt;</a:t>
             </a:fld>
           </a:p>
@@ -3906,7 +3906,7 @@
         <p:txBody>
           <a:bodyPr/>
           <a:p>
-            <a:fld id="{A971D8E7-9D9F-43D9-81CC-97AFFF2A5AD0}" type="slidenum">
+            <a:fld id="{3AB41C00-D6BF-493D-B1C8-65915AB76CD6}" type="slidenum">
               <a:t>&lt;#&gt;</a:t>
             </a:fld>
           </a:p>
@@ -4128,7 +4128,7 @@
         <p:txBody>
           <a:bodyPr/>
           <a:p>
-            <a:fld id="{45BFD56D-6625-461A-A680-14B1C3C2021D}" type="slidenum">
+            <a:fld id="{BC639BCB-0375-4CC9-B46C-F96ACB19EA7A}" type="slidenum">
               <a:t>&lt;#&gt;</a:t>
             </a:fld>
           </a:p>
@@ -4197,7 +4197,7 @@
         <p:spPr>
           <a:xfrm>
             <a:off x="3028680" y="4771440"/>
-            <a:ext cx="3083760" cy="271800"/>
+            <a:ext cx="3083400" cy="271440"/>
           </a:xfrm>
           <a:prstGeom prst="rect">
             <a:avLst/>
@@ -4262,7 +4262,7 @@
         <p:spPr>
           <a:xfrm>
             <a:off x="6457680" y="4771440"/>
-            <a:ext cx="2055240" cy="271800"/>
+            <a:ext cx="2054880" cy="271440"/>
           </a:xfrm>
           <a:prstGeom prst="rect">
             <a:avLst/>
@@ -4298,7 +4298,7 @@
               </a:lnSpc>
               <a:buNone/>
             </a:pPr>
-            <a:fld id="{5107998E-1A82-4D99-BE47-1E97FD91A695}" type="slidenum">
+            <a:fld id="{B76024B9-06AA-484F-8A6D-9CF54E43FB8D}" type="slidenum">
               <a:rPr b="0" lang="en-US" sz="1200" spc="-1" strike="noStrike">
                 <a:solidFill>
                   <a:srgbClr val="8b8b8b"/>
@@ -4327,7 +4327,7 @@
         <p:spPr>
           <a:xfrm>
             <a:off x="628200" y="4771440"/>
-            <a:ext cx="2055240" cy="271800"/>
+            <a:ext cx="2054880" cy="271440"/>
           </a:xfrm>
           <a:prstGeom prst="rect">
             <a:avLst/>
@@ -4639,8 +4639,8 @@
         </p:nvSpPr>
         <p:spPr>
           <a:xfrm rot="2744400">
-            <a:off x="-282600" y="-25920"/>
-            <a:ext cx="705960" cy="705600"/>
+            <a:off x="-282240" y="-25920"/>
+            <a:ext cx="705600" cy="705240"/>
           </a:xfrm>
           <a:prstGeom prst="roundRect">
             <a:avLst>
@@ -4677,8 +4677,8 @@
         </p:nvSpPr>
         <p:spPr>
           <a:xfrm rot="2625600">
-            <a:off x="6024960" y="4334040"/>
-            <a:ext cx="469800" cy="469800"/>
+            <a:off x="6024960" y="4333680"/>
+            <a:ext cx="469440" cy="469440"/>
           </a:xfrm>
           <a:prstGeom prst="roundRect">
             <a:avLst>
@@ -4716,7 +4716,7 @@
         <p:spPr>
           <a:xfrm rot="18679200">
             <a:off x="7004880" y="948600"/>
-            <a:ext cx="4941360" cy="4667760"/>
+            <a:ext cx="4941000" cy="4667400"/>
           </a:xfrm>
           <a:prstGeom prst="roundRect">
             <a:avLst>
@@ -4754,7 +4754,7 @@
         <p:spPr>
           <a:xfrm>
             <a:off x="459720" y="4671360"/>
-            <a:ext cx="2997000" cy="267840"/>
+            <a:ext cx="2996640" cy="267480"/>
           </a:xfrm>
           <a:prstGeom prst="rect">
             <a:avLst/>
@@ -4819,8 +4819,8 @@
         </p:blipFill>
         <p:spPr>
           <a:xfrm>
-            <a:off x="2423160" y="4671720"/>
-            <a:ext cx="289440" cy="289440"/>
+            <a:off x="2971800" y="4740120"/>
+            <a:ext cx="289080" cy="289080"/>
           </a:xfrm>
           <a:prstGeom prst="rect">
             <a:avLst/>
@@ -4839,7 +4839,7 @@
         <p:spPr>
           <a:xfrm>
             <a:off x="484920" y="1681560"/>
-            <a:ext cx="5482440" cy="1883880"/>
+            <a:ext cx="5482080" cy="1883520"/>
           </a:xfrm>
           <a:prstGeom prst="rect">
             <a:avLst/>
@@ -4927,8 +4927,8 @@
         </p:nvSpPr>
         <p:spPr>
           <a:xfrm rot="2744400">
-            <a:off x="-282600" y="-25920"/>
-            <a:ext cx="705960" cy="705600"/>
+            <a:off x="-282240" y="-25920"/>
+            <a:ext cx="705600" cy="705240"/>
           </a:xfrm>
           <a:prstGeom prst="roundRect">
             <a:avLst>
@@ -4966,7 +4966,7 @@
         <p:spPr>
           <a:xfrm rot="2332200">
             <a:off x="6009480" y="-320040"/>
-            <a:ext cx="4857120" cy="7728120"/>
+            <a:ext cx="4856760" cy="7727760"/>
           </a:xfrm>
           <a:prstGeom prst="roundRect">
             <a:avLst>
@@ -5004,9 +5004,9 @@
         <p:grpSpPr>
           <a:xfrm>
             <a:off x="4571640" y="828000"/>
-            <a:ext cx="4469760" cy="3565800"/>
+            <a:ext cx="4469400" cy="3565440"/>
             <a:chOff x="4571640" y="828000"/>
-            <a:chExt cx="4469760" cy="3565800"/>
+            <a:chExt cx="4469400" cy="3565440"/>
           </a:xfrm>
         </p:grpSpPr>
         <p:pic>
@@ -5022,7 +5022,7 @@
           <p:spPr>
             <a:xfrm>
               <a:off x="4571640" y="828000"/>
-              <a:ext cx="4469760" cy="3565800"/>
+              <a:ext cx="4469400" cy="3565440"/>
             </a:xfrm>
             <a:prstGeom prst="rect">
               <a:avLst/>
@@ -5040,8 +5040,8 @@
           </p:nvSpPr>
           <p:spPr>
             <a:xfrm rot="16200000">
-              <a:off x="5962680" y="1157400"/>
-              <a:ext cx="1738800" cy="2772720"/>
+              <a:off x="5962680" y="1157760"/>
+              <a:ext cx="1738440" cy="2772360"/>
             </a:xfrm>
             <a:prstGeom prst="roundRect">
               <a:avLst>
@@ -5108,7 +5108,7 @@
         <p:spPr>
           <a:xfrm>
             <a:off x="5446080" y="1672200"/>
-            <a:ext cx="2772360" cy="1738800"/>
+            <a:ext cx="2772000" cy="1738440"/>
           </a:xfrm>
           <a:prstGeom prst="rect">
             <a:avLst/>
@@ -5160,7 +5160,7 @@
         <p:spPr>
           <a:xfrm>
             <a:off x="586440" y="1246680"/>
-            <a:ext cx="4005720" cy="3601440"/>
+            <a:ext cx="4005360" cy="3601080"/>
           </a:xfrm>
           <a:prstGeom prst="rect">
             <a:avLst/>
@@ -5212,7 +5212,7 @@
         <p:spPr>
           <a:xfrm>
             <a:off x="586440" y="453960"/>
-            <a:ext cx="4765680" cy="856800"/>
+            <a:ext cx="4765320" cy="856440"/>
           </a:xfrm>
           <a:prstGeom prst="rect">
             <a:avLst/>
@@ -5300,8 +5300,8 @@
         </p:nvSpPr>
         <p:spPr>
           <a:xfrm rot="2744400">
-            <a:off x="-282600" y="-25920"/>
-            <a:ext cx="705960" cy="705600"/>
+            <a:off x="-282240" y="-25920"/>
+            <a:ext cx="705600" cy="705240"/>
           </a:xfrm>
           <a:prstGeom prst="roundRect">
             <a:avLst>
@@ -5339,7 +5339,7 @@
         <p:spPr>
           <a:xfrm>
             <a:off x="569160" y="1888920"/>
-            <a:ext cx="4822560" cy="820800"/>
+            <a:ext cx="4822200" cy="820800"/>
           </a:xfrm>
           <a:prstGeom prst="rect">
             <a:avLst/>
@@ -5391,7 +5391,7 @@
         <p:spPr>
           <a:xfrm rot="18679800">
             <a:off x="6783120" y="457560"/>
-            <a:ext cx="6252120" cy="4667760"/>
+            <a:ext cx="6251760" cy="4667400"/>
           </a:xfrm>
           <a:prstGeom prst="roundRect">
             <a:avLst>
@@ -5428,8 +5428,8 @@
         </p:nvSpPr>
         <p:spPr>
           <a:xfrm rot="2625600">
-            <a:off x="6024960" y="4334040"/>
-            <a:ext cx="469800" cy="469800"/>
+            <a:off x="6024960" y="4333680"/>
+            <a:ext cx="469440" cy="469440"/>
           </a:xfrm>
           <a:prstGeom prst="roundRect">
             <a:avLst>
@@ -5467,7 +5467,7 @@
         <p:spPr>
           <a:xfrm>
             <a:off x="1640880" y="4592880"/>
-            <a:ext cx="2997000" cy="267840"/>
+            <a:ext cx="2996640" cy="267480"/>
           </a:xfrm>
           <a:prstGeom prst="rect">
             <a:avLst/>
@@ -5529,7 +5529,7 @@
         <p:spPr>
           <a:xfrm>
             <a:off x="867240" y="3590280"/>
-            <a:ext cx="254880" cy="255240"/>
+            <a:ext cx="254520" cy="254880"/>
           </a:xfrm>
           <a:prstGeom prst="ellipse">
             <a:avLst/>
@@ -5564,7 +5564,7 @@
         <p:spPr>
           <a:xfrm>
             <a:off x="351000" y="3793320"/>
-            <a:ext cx="1287360" cy="1132920"/>
+            <a:ext cx="1287000" cy="1132560"/>
           </a:xfrm>
           <a:prstGeom prst="rect">
             <a:avLst/>
@@ -5613,7 +5613,7 @@
         <p:spPr>
           <a:xfrm>
             <a:off x="586440" y="1246680"/>
-            <a:ext cx="4005720" cy="3601440"/>
+            <a:ext cx="4005360" cy="3601080"/>
           </a:xfrm>
           <a:prstGeom prst="rect">
             <a:avLst/>
@@ -5665,7 +5665,7 @@
         <p:spPr>
           <a:xfrm>
             <a:off x="559800" y="446040"/>
-            <a:ext cx="4285080" cy="685080"/>
+            <a:ext cx="4284720" cy="684720"/>
           </a:xfrm>
           <a:prstGeom prst="rect">
             <a:avLst/>
@@ -5717,7 +5717,7 @@
         <p:spPr>
           <a:xfrm>
             <a:off x="5097600" y="360"/>
-            <a:ext cx="4381200" cy="5145480"/>
+            <a:ext cx="4380840" cy="5145120"/>
           </a:xfrm>
           <a:prstGeom prst="roundRect">
             <a:avLst>
@@ -5782,8 +5782,8 @@
         </p:nvSpPr>
         <p:spPr>
           <a:xfrm rot="2744400">
-            <a:off x="-282600" y="-25920"/>
-            <a:ext cx="705960" cy="705600"/>
+            <a:off x="-282240" y="-25920"/>
+            <a:ext cx="705600" cy="705240"/>
           </a:xfrm>
           <a:prstGeom prst="roundRect">
             <a:avLst>
@@ -5820,8 +5820,8 @@
         </p:nvSpPr>
         <p:spPr>
           <a:xfrm rot="2625600">
-            <a:off x="4861080" y="4147920"/>
-            <a:ext cx="469800" cy="469800"/>
+            <a:off x="4861080" y="4147560"/>
+            <a:ext cx="469440" cy="469440"/>
           </a:xfrm>
           <a:prstGeom prst="roundRect">
             <a:avLst>
@@ -5895,8 +5895,8 @@
         </p:nvSpPr>
         <p:spPr>
           <a:xfrm rot="2744400">
-            <a:off x="-351720" y="4541400"/>
-            <a:ext cx="705960" cy="705600"/>
+            <a:off x="-351360" y="4541040"/>
+            <a:ext cx="705600" cy="705240"/>
           </a:xfrm>
           <a:prstGeom prst="roundRect">
             <a:avLst>
@@ -5933,8 +5933,8 @@
         </p:nvSpPr>
         <p:spPr>
           <a:xfrm rot="19228200">
-            <a:off x="5847480" y="-2268000"/>
-            <a:ext cx="4856760" cy="7727760"/>
+            <a:off x="5847120" y="-2267640"/>
+            <a:ext cx="4856400" cy="7727400"/>
           </a:xfrm>
           <a:prstGeom prst="roundRect">
             <a:avLst>
@@ -5972,9 +5972,9 @@
         <p:grpSpPr>
           <a:xfrm>
             <a:off x="4571640" y="828000"/>
-            <a:ext cx="4469760" cy="3565800"/>
+            <a:ext cx="4469400" cy="3565440"/>
             <a:chOff x="4571640" y="828000"/>
-            <a:chExt cx="4469760" cy="3565800"/>
+            <a:chExt cx="4469400" cy="3565440"/>
           </a:xfrm>
         </p:grpSpPr>
         <p:pic>
@@ -5990,7 +5990,7 @@
           <p:spPr>
             <a:xfrm>
               <a:off x="4571640" y="828000"/>
-              <a:ext cx="4469760" cy="3565800"/>
+              <a:ext cx="4469400" cy="3565440"/>
             </a:xfrm>
             <a:prstGeom prst="rect">
               <a:avLst/>
@@ -6008,8 +6008,8 @@
           </p:nvSpPr>
           <p:spPr>
             <a:xfrm rot="16200000">
-              <a:off x="5962680" y="1157400"/>
-              <a:ext cx="1738800" cy="2772720"/>
+              <a:off x="5962680" y="1157760"/>
+              <a:ext cx="1738440" cy="2772360"/>
             </a:xfrm>
             <a:prstGeom prst="roundRect">
               <a:avLst>
@@ -6076,7 +6076,7 @@
         <p:spPr>
           <a:xfrm>
             <a:off x="586440" y="1246680"/>
-            <a:ext cx="4005720" cy="3601440"/>
+            <a:ext cx="4005360" cy="3601080"/>
           </a:xfrm>
           <a:prstGeom prst="rect">
             <a:avLst/>
@@ -6128,7 +6128,7 @@
         <p:spPr>
           <a:xfrm>
             <a:off x="5446080" y="1672200"/>
-            <a:ext cx="2781720" cy="1738800"/>
+            <a:ext cx="2781360" cy="1738440"/>
           </a:xfrm>
           <a:prstGeom prst="rect">
             <a:avLst/>
@@ -6180,7 +6180,7 @@
         <p:spPr>
           <a:xfrm>
             <a:off x="586440" y="453960"/>
-            <a:ext cx="3698280" cy="856800"/>
+            <a:ext cx="3697920" cy="856440"/>
           </a:xfrm>
           <a:prstGeom prst="rect">
             <a:avLst/>
@@ -6269,7 +6269,7 @@
         <p:spPr>
           <a:xfrm>
             <a:off x="4222080" y="1246680"/>
-            <a:ext cx="4116600" cy="3601440"/>
+            <a:ext cx="4116240" cy="3601080"/>
           </a:xfrm>
           <a:prstGeom prst="rect">
             <a:avLst/>
@@ -6320,8 +6320,8 @@
         </p:nvSpPr>
         <p:spPr>
           <a:xfrm rot="16200000">
-            <a:off x="-2181600" y="1731960"/>
-            <a:ext cx="5145480" cy="1685520"/>
+            <a:off x="-2181600" y="1732320"/>
+            <a:ext cx="5145120" cy="1685160"/>
           </a:xfrm>
           <a:prstGeom prst="roundRect">
             <a:avLst>
@@ -6359,7 +6359,7 @@
         <p:spPr>
           <a:xfrm rot="2745000">
             <a:off x="8575200" y="104760"/>
-            <a:ext cx="1134000" cy="1133640"/>
+            <a:ext cx="1133640" cy="1133280"/>
           </a:xfrm>
           <a:prstGeom prst="roundRect">
             <a:avLst>
@@ -6396,8 +6396,8 @@
         </p:nvSpPr>
         <p:spPr>
           <a:xfrm rot="16200000">
-            <a:off x="614880" y="917280"/>
-            <a:ext cx="3233520" cy="3315240"/>
+            <a:off x="614880" y="917640"/>
+            <a:ext cx="3233160" cy="3314880"/>
           </a:xfrm>
           <a:prstGeom prst="roundRect">
             <a:avLst>
@@ -6463,7 +6463,7 @@
         <p:spPr>
           <a:xfrm>
             <a:off x="4214160" y="456120"/>
-            <a:ext cx="4113360" cy="856800"/>
+            <a:ext cx="4113000" cy="856440"/>
           </a:xfrm>
           <a:prstGeom prst="rect">
             <a:avLst/>
@@ -6551,8 +6551,8 @@
         </p:nvSpPr>
         <p:spPr>
           <a:xfrm rot="2744400">
-            <a:off x="-282600" y="-25920"/>
-            <a:ext cx="705960" cy="705600"/>
+            <a:off x="-282240" y="-25920"/>
+            <a:ext cx="705600" cy="705240"/>
           </a:xfrm>
           <a:prstGeom prst="roundRect">
             <a:avLst>
@@ -6590,7 +6590,7 @@
         <p:spPr>
           <a:xfrm rot="2332200">
             <a:off x="6009480" y="-320040"/>
-            <a:ext cx="4857120" cy="7728120"/>
+            <a:ext cx="4856760" cy="7727760"/>
           </a:xfrm>
           <a:prstGeom prst="roundRect">
             <a:avLst>
@@ -6628,9 +6628,9 @@
         <p:grpSpPr>
           <a:xfrm>
             <a:off x="4571640" y="828000"/>
-            <a:ext cx="4469760" cy="3565800"/>
+            <a:ext cx="4469400" cy="3565440"/>
             <a:chOff x="4571640" y="828000"/>
-            <a:chExt cx="4469760" cy="3565800"/>
+            <a:chExt cx="4469400" cy="3565440"/>
           </a:xfrm>
         </p:grpSpPr>
         <p:pic>
@@ -6646,7 +6646,7 @@
           <p:spPr>
             <a:xfrm>
               <a:off x="4571640" y="828000"/>
-              <a:ext cx="4469760" cy="3565800"/>
+              <a:ext cx="4469400" cy="3565440"/>
             </a:xfrm>
             <a:prstGeom prst="rect">
               <a:avLst/>
@@ -6664,8 +6664,8 @@
           </p:nvSpPr>
           <p:spPr>
             <a:xfrm rot="16200000">
-              <a:off x="5962680" y="1157400"/>
-              <a:ext cx="1738800" cy="2772720"/>
+              <a:off x="5962680" y="1157760"/>
+              <a:ext cx="1738440" cy="2772360"/>
             </a:xfrm>
             <a:prstGeom prst="roundRect">
               <a:avLst>
@@ -6732,7 +6732,7 @@
         <p:spPr>
           <a:xfrm>
             <a:off x="5446080" y="1672200"/>
-            <a:ext cx="2772360" cy="1738800"/>
+            <a:ext cx="2772000" cy="1738440"/>
           </a:xfrm>
           <a:prstGeom prst="rect">
             <a:avLst/>
@@ -6784,7 +6784,7 @@
         <p:spPr>
           <a:xfrm>
             <a:off x="586440" y="1246680"/>
-            <a:ext cx="4005720" cy="3601440"/>
+            <a:ext cx="4005360" cy="3601080"/>
           </a:xfrm>
           <a:prstGeom prst="rect">
             <a:avLst/>
@@ -6836,7 +6836,7 @@
         <p:spPr>
           <a:xfrm>
             <a:off x="586440" y="453960"/>
-            <a:ext cx="4765680" cy="856800"/>
+            <a:ext cx="4765320" cy="856440"/>
           </a:xfrm>
           <a:prstGeom prst="rect">
             <a:avLst/>
@@ -6925,7 +6925,7 @@
         <p:spPr>
           <a:xfrm rot="2745600">
             <a:off x="8349840" y="-668520"/>
-            <a:ext cx="1499760" cy="1499760"/>
+            <a:ext cx="1499400" cy="1499400"/>
           </a:xfrm>
           <a:prstGeom prst="roundRect">
             <a:avLst>
@@ -6963,7 +6963,7 @@
         <p:spPr>
           <a:xfrm rot="2745600">
             <a:off x="7634160" y="-322920"/>
-            <a:ext cx="808560" cy="808920"/>
+            <a:ext cx="808200" cy="808560"/>
           </a:xfrm>
           <a:prstGeom prst="roundRect">
             <a:avLst>
@@ -7002,7 +7002,7 @@
         <p:spPr>
           <a:xfrm>
             <a:off x="586440" y="899640"/>
-            <a:ext cx="7933320" cy="1538640"/>
+            <a:ext cx="7932960" cy="1538280"/>
           </a:xfrm>
           <a:prstGeom prst="rect">
             <a:avLst/>
@@ -7054,7 +7054,7 @@
         <p:spPr>
           <a:xfrm>
             <a:off x="608040" y="2545560"/>
-            <a:ext cx="3713760" cy="2257200"/>
+            <a:ext cx="3713400" cy="2256840"/>
           </a:xfrm>
           <a:prstGeom prst="rect">
             <a:avLst/>
@@ -7106,7 +7106,7 @@
         <p:spPr>
           <a:xfrm>
             <a:off x="4806360" y="2545560"/>
-            <a:ext cx="3713760" cy="2257200"/>
+            <a:ext cx="3713400" cy="2256840"/>
           </a:xfrm>
           <a:prstGeom prst="rect">
             <a:avLst/>
@@ -7158,7 +7158,7 @@
         <p:spPr>
           <a:xfrm>
             <a:off x="583200" y="450720"/>
-            <a:ext cx="7199640" cy="513720"/>
+            <a:ext cx="7199280" cy="513360"/>
           </a:xfrm>
           <a:prstGeom prst="rect">
             <a:avLst/>
@@ -7240,7 +7240,7 @@
         <p:spPr>
           <a:xfrm>
             <a:off x="586440" y="1246680"/>
-            <a:ext cx="4005720" cy="3601440"/>
+            <a:ext cx="4005360" cy="3601080"/>
           </a:xfrm>
           <a:prstGeom prst="rect">
             <a:avLst/>
@@ -7292,7 +7292,7 @@
         <p:spPr>
           <a:xfrm>
             <a:off x="559800" y="446040"/>
-            <a:ext cx="4285080" cy="685080"/>
+            <a:ext cx="4284720" cy="684720"/>
           </a:xfrm>
           <a:prstGeom prst="rect">
             <a:avLst/>
@@ -7344,7 +7344,7 @@
         <p:spPr>
           <a:xfrm>
             <a:off x="5097600" y="360"/>
-            <a:ext cx="4381200" cy="5145480"/>
+            <a:ext cx="4380840" cy="5145120"/>
           </a:xfrm>
           <a:prstGeom prst="roundRect">
             <a:avLst>
@@ -7409,8 +7409,8 @@
         </p:nvSpPr>
         <p:spPr>
           <a:xfrm rot="2744400">
-            <a:off x="-282600" y="-25920"/>
-            <a:ext cx="705960" cy="705600"/>
+            <a:off x="-282240" y="-25920"/>
+            <a:ext cx="705600" cy="705240"/>
           </a:xfrm>
           <a:prstGeom prst="roundRect">
             <a:avLst>
@@ -7447,8 +7447,8 @@
         </p:nvSpPr>
         <p:spPr>
           <a:xfrm rot="2625600">
-            <a:off x="4861080" y="4147920"/>
-            <a:ext cx="469800" cy="469800"/>
+            <a:off x="4861080" y="4147560"/>
+            <a:ext cx="469440" cy="469440"/>
           </a:xfrm>
           <a:prstGeom prst="roundRect">
             <a:avLst>
@@ -7522,8 +7522,8 @@
         </p:nvSpPr>
         <p:spPr>
           <a:xfrm rot="2744400">
-            <a:off x="-351720" y="4541400"/>
-            <a:ext cx="705960" cy="705600"/>
+            <a:off x="-351360" y="4541040"/>
+            <a:ext cx="705600" cy="705240"/>
           </a:xfrm>
           <a:prstGeom prst="roundRect">
             <a:avLst>
@@ -7560,8 +7560,8 @@
         </p:nvSpPr>
         <p:spPr>
           <a:xfrm rot="19228200">
-            <a:off x="5847480" y="-2268000"/>
-            <a:ext cx="4856760" cy="7727760"/>
+            <a:off x="5847120" y="-2267640"/>
+            <a:ext cx="4856400" cy="7727400"/>
           </a:xfrm>
           <a:prstGeom prst="roundRect">
             <a:avLst>
@@ -7599,9 +7599,9 @@
         <p:grpSpPr>
           <a:xfrm>
             <a:off x="4571640" y="828000"/>
-            <a:ext cx="4469760" cy="3565800"/>
+            <a:ext cx="4469400" cy="3565440"/>
             <a:chOff x="4571640" y="828000"/>
-            <a:chExt cx="4469760" cy="3565800"/>
+            <a:chExt cx="4469400" cy="3565440"/>
           </a:xfrm>
         </p:grpSpPr>
         <p:pic>
@@ -7617,7 +7617,7 @@
           <p:spPr>
             <a:xfrm>
               <a:off x="4571640" y="828000"/>
-              <a:ext cx="4469760" cy="3565800"/>
+              <a:ext cx="4469400" cy="3565440"/>
             </a:xfrm>
             <a:prstGeom prst="rect">
               <a:avLst/>
@@ -7635,8 +7635,8 @@
           </p:nvSpPr>
           <p:spPr>
             <a:xfrm rot="16200000">
-              <a:off x="5962680" y="1157400"/>
-              <a:ext cx="1738800" cy="2772720"/>
+              <a:off x="5962680" y="1157760"/>
+              <a:ext cx="1738440" cy="2772360"/>
             </a:xfrm>
             <a:prstGeom prst="roundRect">
               <a:avLst>
@@ -7703,7 +7703,7 @@
         <p:spPr>
           <a:xfrm>
             <a:off x="586440" y="1246680"/>
-            <a:ext cx="4005720" cy="3601440"/>
+            <a:ext cx="4005360" cy="3601080"/>
           </a:xfrm>
           <a:prstGeom prst="rect">
             <a:avLst/>
@@ -7755,7 +7755,7 @@
         <p:spPr>
           <a:xfrm>
             <a:off x="5446080" y="1672200"/>
-            <a:ext cx="2781720" cy="1738800"/>
+            <a:ext cx="2781360" cy="1738440"/>
           </a:xfrm>
           <a:prstGeom prst="rect">
             <a:avLst/>
@@ -7807,7 +7807,7 @@
         <p:spPr>
           <a:xfrm>
             <a:off x="586440" y="453960"/>
-            <a:ext cx="3698280" cy="856800"/>
+            <a:ext cx="3697920" cy="856440"/>
           </a:xfrm>
           <a:prstGeom prst="rect">
             <a:avLst/>
@@ -7896,7 +7896,7 @@
         <p:spPr>
           <a:xfrm>
             <a:off x="4222080" y="1246680"/>
-            <a:ext cx="4116600" cy="3601440"/>
+            <a:ext cx="4116240" cy="3601080"/>
           </a:xfrm>
           <a:prstGeom prst="rect">
             <a:avLst/>
@@ -7947,8 +7947,8 @@
         </p:nvSpPr>
         <p:spPr>
           <a:xfrm rot="16200000">
-            <a:off x="-2181600" y="1731960"/>
-            <a:ext cx="5145480" cy="1685520"/>
+            <a:off x="-2181600" y="1732320"/>
+            <a:ext cx="5145120" cy="1685160"/>
           </a:xfrm>
           <a:prstGeom prst="roundRect">
             <a:avLst>
@@ -7986,7 +7986,7 @@
         <p:spPr>
           <a:xfrm rot="2745000">
             <a:off x="8575200" y="104760"/>
-            <a:ext cx="1134000" cy="1133640"/>
+            <a:ext cx="1133640" cy="1133280"/>
           </a:xfrm>
           <a:prstGeom prst="roundRect">
             <a:avLst>
@@ -8023,8 +8023,8 @@
         </p:nvSpPr>
         <p:spPr>
           <a:xfrm rot="16200000">
-            <a:off x="614880" y="917280"/>
-            <a:ext cx="3233520" cy="3315240"/>
+            <a:off x="614880" y="917640"/>
+            <a:ext cx="3233160" cy="3314880"/>
           </a:xfrm>
           <a:prstGeom prst="roundRect">
             <a:avLst>
@@ -8090,7 +8090,7 @@
         <p:spPr>
           <a:xfrm>
             <a:off x="4214160" y="456120"/>
-            <a:ext cx="4113360" cy="856800"/>
+            <a:ext cx="4113000" cy="856440"/>
           </a:xfrm>
           <a:prstGeom prst="rect">
             <a:avLst/>
